--- a/Presentations/Mobile Device Security.pptx
+++ b/Presentations/Mobile Device Security.pptx
@@ -2723,7 +2723,7 @@
             <a:fld id="{5586B75A-687E-405C-8A0B-8D00578BA2C3}" type="datetimeFigureOut">
               <a:rPr lang="en-US" dirty="0"/>
               <a:pPr/>
-              <a:t>3/29/22</a:t>
+              <a:t>4/3/22</a:t>
             </a:fld>
             <a:endParaRPr lang="en-US" dirty="0"/>
           </a:p>
@@ -2890,7 +2890,7 @@
             <a:fld id="{5586B75A-687E-405C-8A0B-8D00578BA2C3}" type="datetimeFigureOut">
               <a:rPr lang="en-US" dirty="0"/>
               <a:pPr/>
-              <a:t>3/29/22</a:t>
+              <a:t>4/3/22</a:t>
             </a:fld>
             <a:endParaRPr lang="en-US" dirty="0"/>
           </a:p>
@@ -3067,7 +3067,7 @@
             <a:fld id="{5586B75A-687E-405C-8A0B-8D00578BA2C3}" type="datetimeFigureOut">
               <a:rPr lang="en-US" dirty="0"/>
               <a:pPr/>
-              <a:t>3/29/22</a:t>
+              <a:t>4/3/22</a:t>
             </a:fld>
             <a:endParaRPr lang="en-US" dirty="0"/>
           </a:p>
@@ -3234,7 +3234,7 @@
             <a:fld id="{5586B75A-687E-405C-8A0B-8D00578BA2C3}" type="datetimeFigureOut">
               <a:rPr lang="en-US" dirty="0"/>
               <a:pPr/>
-              <a:t>3/29/22</a:t>
+              <a:t>4/3/22</a:t>
             </a:fld>
             <a:endParaRPr lang="en-US" dirty="0"/>
           </a:p>
@@ -3489,7 +3489,7 @@
             <a:fld id="{5586B75A-687E-405C-8A0B-8D00578BA2C3}" type="datetimeFigureOut">
               <a:rPr lang="en-US" dirty="0"/>
               <a:pPr/>
-              <a:t>3/29/22</a:t>
+              <a:t>4/3/22</a:t>
             </a:fld>
             <a:endParaRPr lang="en-US" dirty="0"/>
           </a:p>
@@ -3774,7 +3774,7 @@
             <a:fld id="{5586B75A-687E-405C-8A0B-8D00578BA2C3}" type="datetimeFigureOut">
               <a:rPr lang="en-US" dirty="0"/>
               <a:pPr/>
-              <a:t>3/29/22</a:t>
+              <a:t>4/3/22</a:t>
             </a:fld>
             <a:endParaRPr lang="en-US" dirty="0"/>
           </a:p>
@@ -4213,7 +4213,7 @@
             <a:fld id="{5586B75A-687E-405C-8A0B-8D00578BA2C3}" type="datetimeFigureOut">
               <a:rPr lang="en-US" dirty="0"/>
               <a:pPr/>
-              <a:t>3/29/22</a:t>
+              <a:t>4/3/22</a:t>
             </a:fld>
             <a:endParaRPr lang="en-US" dirty="0"/>
           </a:p>
@@ -4328,7 +4328,7 @@
             <a:fld id="{5586B75A-687E-405C-8A0B-8D00578BA2C3}" type="datetimeFigureOut">
               <a:rPr lang="en-US" dirty="0"/>
               <a:pPr/>
-              <a:t>3/29/22</a:t>
+              <a:t>4/3/22</a:t>
             </a:fld>
             <a:endParaRPr lang="en-US" dirty="0"/>
           </a:p>
@@ -4420,7 +4420,7 @@
             <a:fld id="{5586B75A-687E-405C-8A0B-8D00578BA2C3}" type="datetimeFigureOut">
               <a:rPr lang="en-US" dirty="0"/>
               <a:pPr/>
-              <a:t>3/29/22</a:t>
+              <a:t>4/3/22</a:t>
             </a:fld>
             <a:endParaRPr lang="en-US" dirty="0"/>
           </a:p>
@@ -4705,7 +4705,7 @@
             <a:fld id="{5586B75A-687E-405C-8A0B-8D00578BA2C3}" type="datetimeFigureOut">
               <a:rPr lang="en-US" dirty="0"/>
               <a:pPr/>
-              <a:t>3/29/22</a:t>
+              <a:t>4/3/22</a:t>
             </a:fld>
             <a:endParaRPr lang="en-US" dirty="0"/>
           </a:p>
@@ -4975,7 +4975,7 @@
             <a:fld id="{5586B75A-687E-405C-8A0B-8D00578BA2C3}" type="datetimeFigureOut">
               <a:rPr lang="en-US" dirty="0"/>
               <a:pPr/>
-              <a:t>3/29/22</a:t>
+              <a:t>4/3/22</a:t>
             </a:fld>
             <a:endParaRPr lang="en-US" dirty="0"/>
           </a:p>
@@ -5269,7 +5269,7 @@
             <a:fld id="{5586B75A-687E-405C-8A0B-8D00578BA2C3}" type="datetimeFigureOut">
               <a:rPr lang="en-US" dirty="0"/>
               <a:pPr/>
-              <a:t>3/29/22</a:t>
+              <a:t>4/3/22</a:t>
             </a:fld>
             <a:endParaRPr lang="en-US" dirty="0"/>
           </a:p>
@@ -6422,6 +6422,49 @@
           </a:p>
         </p:txBody>
       </p:sp>
+      <p:sp>
+        <p:nvSpPr>
+          <p:cNvPr id="4" name="TextBox 3">
+            <a:extLst>
+              <a:ext uri="{FF2B5EF4-FFF2-40B4-BE49-F238E27FC236}">
+                <a16:creationId xmlns:a16="http://schemas.microsoft.com/office/drawing/2014/main" id="{99F23CFC-CB45-D340-8C3A-1E5028BF9C16}"/>
+              </a:ext>
+            </a:extLst>
+          </p:cNvPr>
+          <p:cNvSpPr txBox="1"/>
+          <p:nvPr/>
+        </p:nvSpPr>
+        <p:spPr>
+          <a:xfrm>
+            <a:off x="-20" y="6602625"/>
+            <a:ext cx="12192000" cy="246221"/>
+          </a:xfrm>
+          <a:prstGeom prst="rect">
+            <a:avLst/>
+          </a:prstGeom>
+          <a:noFill/>
+        </p:spPr>
+        <p:txBody>
+          <a:bodyPr wrap="square" rtlCol="0">
+            <a:spAutoFit/>
+          </a:bodyPr>
+          <a:lstStyle/>
+          <a:p>
+            <a:r>
+              <a:rPr lang="en-US" sz="1000" dirty="0"/>
+              <a:t>https://</a:t>
+            </a:r>
+            <a:r>
+              <a:rPr lang="en-US" sz="1000" dirty="0" err="1"/>
+              <a:t>antivirus.comodo.com</a:t>
+            </a:r>
+            <a:r>
+              <a:rPr lang="en-US" sz="1000" dirty="0"/>
+              <a:t>/blog/comodo-news/why-mobile-security-is-important-today/</a:t>
+            </a:r>
+          </a:p>
+        </p:txBody>
+      </p:sp>
     </p:spTree>
     <p:extLst>
       <p:ext uri="{BB962C8B-B14F-4D97-AF65-F5344CB8AC3E}">
@@ -6665,6 +6708,61 @@
               <a:t>Unauthorized changes to the device could be made</a:t>
             </a:r>
           </a:p>
+          <a:p>
+            <a:r>
+              <a:rPr lang="en-US" sz="2300" dirty="0">
+                <a:solidFill>
+                  <a:schemeClr val="tx1"/>
+                </a:solidFill>
+              </a:rPr>
+              <a:t>Spyware</a:t>
+            </a:r>
+          </a:p>
+          <a:p>
+            <a:r>
+              <a:rPr lang="en-US" sz="2300" dirty="0">
+                <a:solidFill>
+                  <a:schemeClr val="tx1"/>
+                </a:solidFill>
+              </a:rPr>
+              <a:t>Weak Passwords</a:t>
+            </a:r>
+          </a:p>
+        </p:txBody>
+      </p:sp>
+      <p:sp>
+        <p:nvSpPr>
+          <p:cNvPr id="4" name="TextBox 3">
+            <a:extLst>
+              <a:ext uri="{FF2B5EF4-FFF2-40B4-BE49-F238E27FC236}">
+                <a16:creationId xmlns:a16="http://schemas.microsoft.com/office/drawing/2014/main" id="{04714441-3094-7C40-9AFB-8CE269D414DD}"/>
+              </a:ext>
+            </a:extLst>
+          </p:cNvPr>
+          <p:cNvSpPr txBox="1"/>
+          <p:nvPr/>
+        </p:nvSpPr>
+        <p:spPr>
+          <a:xfrm>
+            <a:off x="0" y="6602624"/>
+            <a:ext cx="12100560" cy="246221"/>
+          </a:xfrm>
+          <a:prstGeom prst="rect">
+            <a:avLst/>
+          </a:prstGeom>
+          <a:noFill/>
+        </p:spPr>
+        <p:txBody>
+          <a:bodyPr wrap="square" rtlCol="0">
+            <a:spAutoFit/>
+          </a:bodyPr>
+          <a:lstStyle/>
+          <a:p>
+            <a:r>
+              <a:rPr lang="en-US" sz="1000" dirty="0"/>
+              <a:t>https://auth0.com/blog/the-9-most-common-security-threats-to-mobile-devices-in-2021/</a:t>
+            </a:r>
+          </a:p>
         </p:txBody>
       </p:sp>
     </p:spTree>
@@ -6943,6 +7041,49 @@
                 </a:solidFill>
               </a:rPr>
               <a:t>Update privacy settings on your device</a:t>
+            </a:r>
+          </a:p>
+        </p:txBody>
+      </p:sp>
+      <p:sp>
+        <p:nvSpPr>
+          <p:cNvPr id="4" name="TextBox 3">
+            <a:extLst>
+              <a:ext uri="{FF2B5EF4-FFF2-40B4-BE49-F238E27FC236}">
+                <a16:creationId xmlns:a16="http://schemas.microsoft.com/office/drawing/2014/main" id="{9DB4A488-856C-6249-9F33-1DD3397A859D}"/>
+              </a:ext>
+            </a:extLst>
+          </p:cNvPr>
+          <p:cNvSpPr txBox="1"/>
+          <p:nvPr/>
+        </p:nvSpPr>
+        <p:spPr>
+          <a:xfrm>
+            <a:off x="0" y="6602625"/>
+            <a:ext cx="12100560" cy="246221"/>
+          </a:xfrm>
+          <a:prstGeom prst="rect">
+            <a:avLst/>
+          </a:prstGeom>
+          <a:noFill/>
+        </p:spPr>
+        <p:txBody>
+          <a:bodyPr wrap="square" rtlCol="0">
+            <a:spAutoFit/>
+          </a:bodyPr>
+          <a:lstStyle/>
+          <a:p>
+            <a:r>
+              <a:rPr lang="en-US" sz="1000" dirty="0"/>
+              <a:t>https://</a:t>
+            </a:r>
+            <a:r>
+              <a:rPr lang="en-US" sz="1000" dirty="0" err="1"/>
+              <a:t>www.ntiva.com</a:t>
+            </a:r>
+            <a:r>
+              <a:rPr lang="en-US" sz="1000" dirty="0"/>
+              <a:t>/blog/top-7-mobile-device-security-best-practices</a:t>
             </a:r>
           </a:p>
         </p:txBody>
